--- a/Documentation/magnUS-Snakemen.pptx
+++ b/Documentation/magnUS-Snakemen.pptx
@@ -263,7 +263,7 @@
           <a:p>
             <a:fld id="{D8197328-0284-4AFE-B770-9E670D7BE31D}" type="datetimeFigureOut">
               <a:rPr lang="en-US" smtClean="0"/>
-              <a:t>5/14/2022</a:t>
+              <a:t>5/25/2022</a:t>
             </a:fld>
             <a:endParaRPr lang="en-US"/>
           </a:p>
@@ -333,13 +333,13 @@
   <p:clrMapOvr>
     <a:masterClrMapping/>
   </p:clrMapOvr>
-  <mc:AlternateContent xmlns:mc="http://schemas.openxmlformats.org/markup-compatibility/2006">
-    <mc:Choice xmlns:p15="http://schemas.microsoft.com/office/powerpoint/2012/main" Requires="p15">
+  <mc:AlternateContent xmlns:mc="http://schemas.openxmlformats.org/markup-compatibility/2006" xmlns:p15="http://schemas.microsoft.com/office/powerpoint/2012/main">
+    <mc:Choice Requires="p15">
       <p:transition xmlns:p14="http://schemas.microsoft.com/office/powerpoint/2010/main" spd="slow" p14:dur="4000">
         <p15:prstTrans prst="curtains"/>
       </p:transition>
     </mc:Choice>
-    <mc:Fallback>
+    <mc:Fallback xmlns="">
       <p:transition spd="slow">
         <p:fade/>
       </p:transition>
@@ -473,7 +473,7 @@
           <a:p>
             <a:fld id="{D8197328-0284-4AFE-B770-9E670D7BE31D}" type="datetimeFigureOut">
               <a:rPr lang="en-US" smtClean="0"/>
-              <a:t>5/14/2022</a:t>
+              <a:t>5/25/2022</a:t>
             </a:fld>
             <a:endParaRPr lang="en-US"/>
           </a:p>
@@ -543,13 +543,13 @@
   <p:clrMapOvr>
     <a:masterClrMapping/>
   </p:clrMapOvr>
-  <mc:AlternateContent xmlns:mc="http://schemas.openxmlformats.org/markup-compatibility/2006">
-    <mc:Choice xmlns:p15="http://schemas.microsoft.com/office/powerpoint/2012/main" Requires="p15">
+  <mc:AlternateContent xmlns:mc="http://schemas.openxmlformats.org/markup-compatibility/2006" xmlns:p15="http://schemas.microsoft.com/office/powerpoint/2012/main">
+    <mc:Choice Requires="p15">
       <p:transition xmlns:p14="http://schemas.microsoft.com/office/powerpoint/2010/main" spd="slow" p14:dur="4000">
         <p15:prstTrans prst="curtains"/>
       </p:transition>
     </mc:Choice>
-    <mc:Fallback>
+    <mc:Fallback xmlns="">
       <p:transition spd="slow">
         <p:fade/>
       </p:transition>
@@ -693,7 +693,7 @@
           <a:p>
             <a:fld id="{D8197328-0284-4AFE-B770-9E670D7BE31D}" type="datetimeFigureOut">
               <a:rPr lang="en-US" smtClean="0"/>
-              <a:t>5/14/2022</a:t>
+              <a:t>5/25/2022</a:t>
             </a:fld>
             <a:endParaRPr lang="en-US"/>
           </a:p>
@@ -763,13 +763,13 @@
   <p:clrMapOvr>
     <a:masterClrMapping/>
   </p:clrMapOvr>
-  <mc:AlternateContent xmlns:mc="http://schemas.openxmlformats.org/markup-compatibility/2006">
-    <mc:Choice xmlns:p15="http://schemas.microsoft.com/office/powerpoint/2012/main" Requires="p15">
+  <mc:AlternateContent xmlns:mc="http://schemas.openxmlformats.org/markup-compatibility/2006" xmlns:p15="http://schemas.microsoft.com/office/powerpoint/2012/main">
+    <mc:Choice Requires="p15">
       <p:transition xmlns:p14="http://schemas.microsoft.com/office/powerpoint/2010/main" spd="slow" p14:dur="4000">
         <p15:prstTrans prst="curtains"/>
       </p:transition>
     </mc:Choice>
-    <mc:Fallback>
+    <mc:Fallback xmlns="">
       <p:transition spd="slow">
         <p:fade/>
       </p:transition>
@@ -903,7 +903,7 @@
           <a:p>
             <a:fld id="{D8197328-0284-4AFE-B770-9E670D7BE31D}" type="datetimeFigureOut">
               <a:rPr lang="en-US" smtClean="0"/>
-              <a:t>5/14/2022</a:t>
+              <a:t>5/25/2022</a:t>
             </a:fld>
             <a:endParaRPr lang="en-US"/>
           </a:p>
@@ -973,13 +973,13 @@
   <p:clrMapOvr>
     <a:masterClrMapping/>
   </p:clrMapOvr>
-  <mc:AlternateContent xmlns:mc="http://schemas.openxmlformats.org/markup-compatibility/2006">
-    <mc:Choice xmlns:p15="http://schemas.microsoft.com/office/powerpoint/2012/main" Requires="p15">
+  <mc:AlternateContent xmlns:mc="http://schemas.openxmlformats.org/markup-compatibility/2006" xmlns:p15="http://schemas.microsoft.com/office/powerpoint/2012/main">
+    <mc:Choice Requires="p15">
       <p:transition xmlns:p14="http://schemas.microsoft.com/office/powerpoint/2010/main" spd="slow" p14:dur="4000">
         <p15:prstTrans prst="curtains"/>
       </p:transition>
     </mc:Choice>
-    <mc:Fallback>
+    <mc:Fallback xmlns="">
       <p:transition spd="slow">
         <p:fade/>
       </p:transition>
@@ -1190,7 +1190,7 @@
           <a:p>
             <a:fld id="{D8197328-0284-4AFE-B770-9E670D7BE31D}" type="datetimeFigureOut">
               <a:rPr lang="en-US" smtClean="0"/>
-              <a:t>5/14/2022</a:t>
+              <a:t>5/25/2022</a:t>
             </a:fld>
             <a:endParaRPr lang="en-US"/>
           </a:p>
@@ -1260,13 +1260,13 @@
   <p:clrMapOvr>
     <a:masterClrMapping/>
   </p:clrMapOvr>
-  <mc:AlternateContent xmlns:mc="http://schemas.openxmlformats.org/markup-compatibility/2006">
-    <mc:Choice xmlns:p15="http://schemas.microsoft.com/office/powerpoint/2012/main" Requires="p15">
+  <mc:AlternateContent xmlns:mc="http://schemas.openxmlformats.org/markup-compatibility/2006" xmlns:p15="http://schemas.microsoft.com/office/powerpoint/2012/main">
+    <mc:Choice Requires="p15">
       <p:transition xmlns:p14="http://schemas.microsoft.com/office/powerpoint/2010/main" spd="slow" p14:dur="4000">
         <p15:prstTrans prst="curtains"/>
       </p:transition>
     </mc:Choice>
-    <mc:Fallback>
+    <mc:Fallback xmlns="">
       <p:transition spd="slow">
         <p:fade/>
       </p:transition>
@@ -1467,7 +1467,7 @@
           <a:p>
             <a:fld id="{D8197328-0284-4AFE-B770-9E670D7BE31D}" type="datetimeFigureOut">
               <a:rPr lang="en-US" smtClean="0"/>
-              <a:t>5/14/2022</a:t>
+              <a:t>5/25/2022</a:t>
             </a:fld>
             <a:endParaRPr lang="en-US"/>
           </a:p>
@@ -1537,13 +1537,13 @@
   <p:clrMapOvr>
     <a:masterClrMapping/>
   </p:clrMapOvr>
-  <mc:AlternateContent xmlns:mc="http://schemas.openxmlformats.org/markup-compatibility/2006">
-    <mc:Choice xmlns:p15="http://schemas.microsoft.com/office/powerpoint/2012/main" Requires="p15">
+  <mc:AlternateContent xmlns:mc="http://schemas.openxmlformats.org/markup-compatibility/2006" xmlns:p15="http://schemas.microsoft.com/office/powerpoint/2012/main">
+    <mc:Choice Requires="p15">
       <p:transition xmlns:p14="http://schemas.microsoft.com/office/powerpoint/2010/main" spd="slow" p14:dur="4000">
         <p15:prstTrans prst="curtains"/>
       </p:transition>
     </mc:Choice>
-    <mc:Fallback>
+    <mc:Fallback xmlns="">
       <p:transition spd="slow">
         <p:fade/>
       </p:transition>
@@ -1891,7 +1891,7 @@
           <a:p>
             <a:fld id="{D8197328-0284-4AFE-B770-9E670D7BE31D}" type="datetimeFigureOut">
               <a:rPr lang="en-US" smtClean="0"/>
-              <a:t>5/14/2022</a:t>
+              <a:t>5/25/2022</a:t>
             </a:fld>
             <a:endParaRPr lang="en-US"/>
           </a:p>
@@ -1961,13 +1961,13 @@
   <p:clrMapOvr>
     <a:masterClrMapping/>
   </p:clrMapOvr>
-  <mc:AlternateContent xmlns:mc="http://schemas.openxmlformats.org/markup-compatibility/2006">
-    <mc:Choice xmlns:p15="http://schemas.microsoft.com/office/powerpoint/2012/main" Requires="p15">
+  <mc:AlternateContent xmlns:mc="http://schemas.openxmlformats.org/markup-compatibility/2006" xmlns:p15="http://schemas.microsoft.com/office/powerpoint/2012/main">
+    <mc:Choice Requires="p15">
       <p:transition xmlns:p14="http://schemas.microsoft.com/office/powerpoint/2010/main" spd="slow" p14:dur="4000">
         <p15:prstTrans prst="curtains"/>
       </p:transition>
     </mc:Choice>
-    <mc:Fallback>
+    <mc:Fallback xmlns="">
       <p:transition spd="slow">
         <p:fade/>
       </p:transition>
@@ -2044,7 +2044,7 @@
           <a:p>
             <a:fld id="{D8197328-0284-4AFE-B770-9E670D7BE31D}" type="datetimeFigureOut">
               <a:rPr lang="en-US" smtClean="0"/>
-              <a:t>5/14/2022</a:t>
+              <a:t>5/25/2022</a:t>
             </a:fld>
             <a:endParaRPr lang="en-US"/>
           </a:p>
@@ -2114,13 +2114,13 @@
   <p:clrMapOvr>
     <a:masterClrMapping/>
   </p:clrMapOvr>
-  <mc:AlternateContent xmlns:mc="http://schemas.openxmlformats.org/markup-compatibility/2006">
-    <mc:Choice xmlns:p15="http://schemas.microsoft.com/office/powerpoint/2012/main" Requires="p15">
+  <mc:AlternateContent xmlns:mc="http://schemas.openxmlformats.org/markup-compatibility/2006" xmlns:p15="http://schemas.microsoft.com/office/powerpoint/2012/main">
+    <mc:Choice Requires="p15">
       <p:transition xmlns:p14="http://schemas.microsoft.com/office/powerpoint/2010/main" spd="slow" p14:dur="4000">
         <p15:prstTrans prst="curtains"/>
       </p:transition>
     </mc:Choice>
-    <mc:Fallback>
+    <mc:Fallback xmlns="">
       <p:transition spd="slow">
         <p:fade/>
       </p:transition>
@@ -2169,7 +2169,7 @@
           <a:p>
             <a:fld id="{D8197328-0284-4AFE-B770-9E670D7BE31D}" type="datetimeFigureOut">
               <a:rPr lang="en-US" smtClean="0"/>
-              <a:t>5/14/2022</a:t>
+              <a:t>5/25/2022</a:t>
             </a:fld>
             <a:endParaRPr lang="en-US"/>
           </a:p>
@@ -2239,13 +2239,13 @@
   <p:clrMapOvr>
     <a:masterClrMapping/>
   </p:clrMapOvr>
-  <mc:AlternateContent xmlns:mc="http://schemas.openxmlformats.org/markup-compatibility/2006">
-    <mc:Choice xmlns:p15="http://schemas.microsoft.com/office/powerpoint/2012/main" Requires="p15">
+  <mc:AlternateContent xmlns:mc="http://schemas.openxmlformats.org/markup-compatibility/2006" xmlns:p15="http://schemas.microsoft.com/office/powerpoint/2012/main">
+    <mc:Choice Requires="p15">
       <p:transition xmlns:p14="http://schemas.microsoft.com/office/powerpoint/2010/main" spd="slow" p14:dur="4000">
         <p15:prstTrans prst="curtains"/>
       </p:transition>
     </mc:Choice>
-    <mc:Fallback>
+    <mc:Fallback xmlns="">
       <p:transition spd="slow">
         <p:fade/>
       </p:transition>
@@ -2492,7 +2492,7 @@
           <a:p>
             <a:fld id="{D8197328-0284-4AFE-B770-9E670D7BE31D}" type="datetimeFigureOut">
               <a:rPr lang="en-US" smtClean="0"/>
-              <a:t>5/14/2022</a:t>
+              <a:t>5/25/2022</a:t>
             </a:fld>
             <a:endParaRPr lang="en-US"/>
           </a:p>
@@ -2562,13 +2562,13 @@
   <p:clrMapOvr>
     <a:masterClrMapping/>
   </p:clrMapOvr>
-  <mc:AlternateContent xmlns:mc="http://schemas.openxmlformats.org/markup-compatibility/2006">
-    <mc:Choice xmlns:p15="http://schemas.microsoft.com/office/powerpoint/2012/main" Requires="p15">
+  <mc:AlternateContent xmlns:mc="http://schemas.openxmlformats.org/markup-compatibility/2006" xmlns:p15="http://schemas.microsoft.com/office/powerpoint/2012/main">
+    <mc:Choice Requires="p15">
       <p:transition xmlns:p14="http://schemas.microsoft.com/office/powerpoint/2010/main" spd="slow" p14:dur="4000">
         <p15:prstTrans prst="curtains"/>
       </p:transition>
     </mc:Choice>
-    <mc:Fallback>
+    <mc:Fallback xmlns="">
       <p:transition spd="slow">
         <p:fade/>
       </p:transition>
@@ -2792,7 +2792,7 @@
           <a:p>
             <a:fld id="{D8197328-0284-4AFE-B770-9E670D7BE31D}" type="datetimeFigureOut">
               <a:rPr lang="en-US" smtClean="0"/>
-              <a:t>5/14/2022</a:t>
+              <a:t>5/25/2022</a:t>
             </a:fld>
             <a:endParaRPr lang="en-US"/>
           </a:p>
@@ -2862,13 +2862,13 @@
   <p:clrMapOvr>
     <a:masterClrMapping/>
   </p:clrMapOvr>
-  <mc:AlternateContent xmlns:mc="http://schemas.openxmlformats.org/markup-compatibility/2006">
-    <mc:Choice xmlns:p15="http://schemas.microsoft.com/office/powerpoint/2012/main" Requires="p15">
+  <mc:AlternateContent xmlns:mc="http://schemas.openxmlformats.org/markup-compatibility/2006" xmlns:p15="http://schemas.microsoft.com/office/powerpoint/2012/main">
+    <mc:Choice Requires="p15">
       <p:transition xmlns:p14="http://schemas.microsoft.com/office/powerpoint/2010/main" spd="slow" p14:dur="4000">
         <p15:prstTrans prst="curtains"/>
       </p:transition>
     </mc:Choice>
-    <mc:Fallback>
+    <mc:Fallback xmlns="">
       <p:transition spd="slow">
         <p:fade/>
       </p:transition>
@@ -3045,7 +3045,7 @@
           <a:p>
             <a:fld id="{D8197328-0284-4AFE-B770-9E670D7BE31D}" type="datetimeFigureOut">
               <a:rPr lang="en-US" smtClean="0"/>
-              <a:t>5/14/2022</a:t>
+              <a:t>5/25/2022</a:t>
             </a:fld>
             <a:endParaRPr lang="en-US"/>
           </a:p>
@@ -3162,13 +3162,13 @@
     <p:sldLayoutId id="2147483658" r:id="rId10"/>
     <p:sldLayoutId id="2147483659" r:id="rId11"/>
   </p:sldLayoutIdLst>
-  <mc:AlternateContent xmlns:mc="http://schemas.openxmlformats.org/markup-compatibility/2006">
-    <mc:Choice xmlns:p15="http://schemas.microsoft.com/office/powerpoint/2012/main" Requires="p15">
+  <mc:AlternateContent xmlns:mc="http://schemas.openxmlformats.org/markup-compatibility/2006" xmlns:p15="http://schemas.microsoft.com/office/powerpoint/2012/main">
+    <mc:Choice Requires="p15">
       <p:transition xmlns:p14="http://schemas.microsoft.com/office/powerpoint/2010/main" spd="slow" p14:dur="4000">
         <p15:prstTrans prst="curtains"/>
       </p:transition>
     </mc:Choice>
-    <mc:Fallback>
+    <mc:Fallback xmlns="">
       <p:transition spd="slow">
         <p:fade/>
       </p:transition>
@@ -3850,13 +3850,13 @@
   <p:clrMapOvr>
     <a:masterClrMapping/>
   </p:clrMapOvr>
-  <mc:AlternateContent xmlns:mc="http://schemas.openxmlformats.org/markup-compatibility/2006">
-    <mc:Choice xmlns:p15="http://schemas.microsoft.com/office/powerpoint/2012/main" Requires="p15">
+  <mc:AlternateContent xmlns:mc="http://schemas.openxmlformats.org/markup-compatibility/2006" xmlns:p15="http://schemas.microsoft.com/office/powerpoint/2012/main">
+    <mc:Choice Requires="p15">
       <p:transition xmlns:p14="http://schemas.microsoft.com/office/powerpoint/2010/main" spd="slow" p14:dur="4000">
         <p15:prstTrans prst="curtains"/>
       </p:transition>
     </mc:Choice>
-    <mc:Fallback>
+    <mc:Fallback xmlns="">
       <p:transition spd="slow">
         <p:fade/>
       </p:transition>
@@ -4163,12 +4163,257 @@
           </a:p>
         </p:txBody>
       </p:sp>
+      <p:sp>
+        <p:nvSpPr>
+          <p:cNvPr id="18" name="TextBox 17">
+            <a:extLst>
+              <a:ext uri="{FF2B5EF4-FFF2-40B4-BE49-F238E27FC236}">
+                <a16:creationId xmlns:a16="http://schemas.microsoft.com/office/drawing/2014/main" id="{F25168D8-5F3D-4F71-0CD3-023E14FA08EE}"/>
+              </a:ext>
+            </a:extLst>
+          </p:cNvPr>
+          <p:cNvSpPr txBox="1"/>
+          <p:nvPr/>
+        </p:nvSpPr>
+        <p:spPr>
+          <a:xfrm>
+            <a:off x="877156" y="4529638"/>
+            <a:ext cx="2176836" cy="954107"/>
+          </a:xfrm>
+          <a:prstGeom prst="rect">
+            <a:avLst/>
+          </a:prstGeom>
+          <a:noFill/>
+        </p:spPr>
+        <p:txBody>
+          <a:bodyPr wrap="square" rtlCol="0">
+            <a:spAutoFit/>
+          </a:bodyPr>
+          <a:lstStyle/>
+          <a:p>
+            <a:pPr algn="ctr"/>
+            <a:r>
+              <a:rPr lang="en-GB" sz="2800" dirty="0" err="1">
+                <a:latin typeface="Bahnschrift SemiLight Condensed" panose="020B0502040204020203" pitchFamily="34" charset="0"/>
+              </a:rPr>
+              <a:t>Yordan</a:t>
+            </a:r>
+            <a:r>
+              <a:rPr lang="en-GB" sz="2800" dirty="0">
+                <a:latin typeface="Bahnschrift SemiLight Condensed" panose="020B0502040204020203" pitchFamily="34" charset="0"/>
+              </a:rPr>
+              <a:t> </a:t>
+            </a:r>
+            <a:r>
+              <a:rPr lang="en-GB" sz="2800" dirty="0" err="1">
+                <a:latin typeface="Bahnschrift SemiLight Condensed" panose="020B0502040204020203" pitchFamily="34" charset="0"/>
+              </a:rPr>
+              <a:t>Stoyanov</a:t>
+            </a:r>
+            <a:br>
+              <a:rPr lang="en-GB" sz="2800" dirty="0">
+                <a:latin typeface="Bahnschrift SemiLight Condensed" panose="020B0502040204020203" pitchFamily="34" charset="0"/>
+              </a:rPr>
+            </a:br>
+            <a:r>
+              <a:rPr lang="en-GB" sz="2800" dirty="0">
+                <a:latin typeface="Bahnschrift SemiLight Condensed" panose="020B0502040204020203" pitchFamily="34" charset="0"/>
+              </a:rPr>
+              <a:t>Scrum Trainer</a:t>
+            </a:r>
+            <a:endParaRPr lang="en-US" sz="2800" dirty="0">
+              <a:latin typeface="Bahnschrift SemiLight Condensed" panose="020B0502040204020203" pitchFamily="34" charset="0"/>
+            </a:endParaRPr>
+          </a:p>
+        </p:txBody>
+      </p:sp>
+      <p:sp>
+        <p:nvSpPr>
+          <p:cNvPr id="19" name="TextBox 18">
+            <a:extLst>
+              <a:ext uri="{FF2B5EF4-FFF2-40B4-BE49-F238E27FC236}">
+                <a16:creationId xmlns:a16="http://schemas.microsoft.com/office/drawing/2014/main" id="{6169A772-66D7-D0DA-7EF1-F7F5A112C308}"/>
+              </a:ext>
+            </a:extLst>
+          </p:cNvPr>
+          <p:cNvSpPr txBox="1"/>
+          <p:nvPr/>
+        </p:nvSpPr>
+        <p:spPr>
+          <a:xfrm>
+            <a:off x="3591009" y="4478865"/>
+            <a:ext cx="2459519" cy="954107"/>
+          </a:xfrm>
+          <a:prstGeom prst="rect">
+            <a:avLst/>
+          </a:prstGeom>
+          <a:noFill/>
+        </p:spPr>
+        <p:txBody>
+          <a:bodyPr wrap="square" rtlCol="0">
+            <a:spAutoFit/>
+          </a:bodyPr>
+          <a:lstStyle>
+            <a:defPPr>
+              <a:defRPr lang="en-US"/>
+            </a:defPPr>
+            <a:lvl1pPr>
+              <a:defRPr sz="2800">
+                <a:latin typeface="Bahnschrift SemiLight Condensed" panose="020B0502040204020203" pitchFamily="34" charset="0"/>
+              </a:defRPr>
+            </a:lvl1pPr>
+          </a:lstStyle>
+          <a:p>
+            <a:pPr algn="ctr"/>
+            <a:r>
+              <a:rPr lang="en-GB" dirty="0" err="1"/>
+              <a:t>Petar</a:t>
+            </a:r>
+            <a:r>
+              <a:rPr lang="en-GB" dirty="0"/>
+              <a:t> </a:t>
+            </a:r>
+            <a:r>
+              <a:rPr lang="en-GB" dirty="0" err="1"/>
+              <a:t>Matsaliev</a:t>
+            </a:r>
+            <a:br>
+              <a:rPr lang="en-GB" dirty="0"/>
+            </a:br>
+            <a:r>
+              <a:rPr lang="en-GB" dirty="0"/>
+              <a:t>Backend Developer</a:t>
+            </a:r>
+            <a:endParaRPr lang="en-US" dirty="0"/>
+          </a:p>
+        </p:txBody>
+      </p:sp>
+      <p:sp>
+        <p:nvSpPr>
+          <p:cNvPr id="20" name="TextBox 19">
+            <a:extLst>
+              <a:ext uri="{FF2B5EF4-FFF2-40B4-BE49-F238E27FC236}">
+                <a16:creationId xmlns:a16="http://schemas.microsoft.com/office/drawing/2014/main" id="{60B65C46-338B-8BF3-220B-A62B63FE1E0D}"/>
+              </a:ext>
+            </a:extLst>
+          </p:cNvPr>
+          <p:cNvSpPr txBox="1"/>
+          <p:nvPr/>
+        </p:nvSpPr>
+        <p:spPr>
+          <a:xfrm>
+            <a:off x="6342172" y="4445524"/>
+            <a:ext cx="2772907" cy="954107"/>
+          </a:xfrm>
+          <a:prstGeom prst="rect">
+            <a:avLst/>
+          </a:prstGeom>
+          <a:noFill/>
+        </p:spPr>
+        <p:txBody>
+          <a:bodyPr wrap="square" rtlCol="0">
+            <a:spAutoFit/>
+          </a:bodyPr>
+          <a:lstStyle/>
+          <a:p>
+            <a:pPr algn="ctr"/>
+            <a:r>
+              <a:rPr lang="en-GB" sz="2800" dirty="0">
+                <a:latin typeface="Bahnschrift SemiLight Condensed" panose="020B0502040204020203" pitchFamily="34" charset="0"/>
+              </a:rPr>
+              <a:t>Stefan</a:t>
+            </a:r>
+            <a:r>
+              <a:rPr lang="en-GB" sz="2800" dirty="0"/>
+              <a:t> </a:t>
+            </a:r>
+            <a:r>
+              <a:rPr lang="en-GB" sz="2800" dirty="0">
+                <a:latin typeface="Bahnschrift SemiLight Condensed" panose="020B0502040204020203" pitchFamily="34" charset="0"/>
+              </a:rPr>
+              <a:t>Hristov</a:t>
+            </a:r>
+            <a:br>
+              <a:rPr lang="en-GB" sz="2800" dirty="0">
+                <a:latin typeface="Bahnschrift SemiLight Condensed" panose="020B0502040204020203" pitchFamily="34" charset="0"/>
+              </a:rPr>
+            </a:br>
+            <a:r>
+              <a:rPr lang="en-GB" sz="2800" dirty="0">
+                <a:latin typeface="Bahnschrift SemiLight Condensed" panose="020B0502040204020203" pitchFamily="34" charset="0"/>
+              </a:rPr>
+              <a:t>Backend Developer</a:t>
+            </a:r>
+            <a:endParaRPr lang="en-US" sz="2800" dirty="0">
+              <a:latin typeface="Bahnschrift SemiLight Condensed" panose="020B0502040204020203" pitchFamily="34" charset="0"/>
+            </a:endParaRPr>
+          </a:p>
+        </p:txBody>
+      </p:sp>
+      <p:sp>
+        <p:nvSpPr>
+          <p:cNvPr id="21" name="TextBox 20">
+            <a:extLst>
+              <a:ext uri="{FF2B5EF4-FFF2-40B4-BE49-F238E27FC236}">
+                <a16:creationId xmlns:a16="http://schemas.microsoft.com/office/drawing/2014/main" id="{B3439593-E0EE-1A89-2A14-1B6EE9E01350}"/>
+              </a:ext>
+            </a:extLst>
+          </p:cNvPr>
+          <p:cNvSpPr txBox="1"/>
+          <p:nvPr/>
+        </p:nvSpPr>
+        <p:spPr>
+          <a:xfrm>
+            <a:off x="9361639" y="4562174"/>
+            <a:ext cx="2366907" cy="954107"/>
+          </a:xfrm>
+          <a:prstGeom prst="rect">
+            <a:avLst/>
+          </a:prstGeom>
+          <a:noFill/>
+        </p:spPr>
+        <p:txBody>
+          <a:bodyPr wrap="square" rtlCol="0">
+            <a:spAutoFit/>
+          </a:bodyPr>
+          <a:lstStyle/>
+          <a:p>
+            <a:pPr algn="ctr"/>
+            <a:r>
+              <a:rPr lang="en-GB" sz="2800" dirty="0">
+                <a:latin typeface="Bahnschrift SemiLight Condensed" panose="020B0502040204020203" pitchFamily="34" charset="0"/>
+              </a:rPr>
+              <a:t>Daniil </a:t>
+            </a:r>
+            <a:r>
+              <a:rPr lang="en-GB" sz="2800" dirty="0" err="1">
+                <a:latin typeface="Bahnschrift SemiLight Condensed" panose="020B0502040204020203" pitchFamily="34" charset="0"/>
+              </a:rPr>
+              <a:t>Furnika</a:t>
+            </a:r>
+            <a:br>
+              <a:rPr lang="en-GB" sz="2800" dirty="0">
+                <a:latin typeface="Bahnschrift SemiLight Condensed" panose="020B0502040204020203" pitchFamily="34" charset="0"/>
+              </a:rPr>
+            </a:br>
+            <a:r>
+              <a:rPr lang="en-GB" sz="2800" dirty="0">
+                <a:latin typeface="Bahnschrift SemiLight Condensed" panose="020B0502040204020203" pitchFamily="34" charset="0"/>
+              </a:rPr>
+              <a:t>Quality Assurance</a:t>
+            </a:r>
+            <a:endParaRPr lang="en-US" sz="2800" dirty="0">
+              <a:latin typeface="Bahnschrift SemiLight Condensed" panose="020B0502040204020203" pitchFamily="34" charset="0"/>
+            </a:endParaRPr>
+          </a:p>
+        </p:txBody>
+      </p:sp>
       <p:pic>
         <p:nvPicPr>
-          <p:cNvPr id="4" name="Picture 3">
-            <a:extLst>
-              <a:ext uri="{FF2B5EF4-FFF2-40B4-BE49-F238E27FC236}">
-                <a16:creationId xmlns:a16="http://schemas.microsoft.com/office/drawing/2014/main" id="{BCD0529A-2A65-8847-603E-903D2D8AA8DE}"/>
+          <p:cNvPr id="16" name="Picture 15">
+            <a:extLst>
+              <a:ext uri="{FF2B5EF4-FFF2-40B4-BE49-F238E27FC236}">
+                <a16:creationId xmlns:a16="http://schemas.microsoft.com/office/drawing/2014/main" id="{523290E6-EEB2-4169-79F2-F34AE889207F}"/>
               </a:ext>
             </a:extLst>
           </p:cNvPr>
@@ -4191,8 +4436,8 @@
         </p:blipFill>
         <p:spPr>
           <a:xfrm>
-            <a:off x="3823742" y="2432867"/>
-            <a:ext cx="2176836" cy="1992267"/>
+            <a:off x="6574020" y="1926618"/>
+            <a:ext cx="2408640" cy="2016392"/>
           </a:xfrm>
           <a:prstGeom prst="ellipse">
             <a:avLst/>
@@ -4225,10 +4470,10 @@
       </p:pic>
       <p:pic>
         <p:nvPicPr>
-          <p:cNvPr id="13" name="Picture 12">
-            <a:extLst>
-              <a:ext uri="{FF2B5EF4-FFF2-40B4-BE49-F238E27FC236}">
-                <a16:creationId xmlns:a16="http://schemas.microsoft.com/office/drawing/2014/main" id="{A38BA620-A590-7C59-961E-CD51E453FD67}"/>
+          <p:cNvPr id="23" name="Picture 22">
+            <a:extLst>
+              <a:ext uri="{FF2B5EF4-FFF2-40B4-BE49-F238E27FC236}">
+                <a16:creationId xmlns:a16="http://schemas.microsoft.com/office/drawing/2014/main" id="{0BDD0F43-906B-2E91-ECC2-279B97DF5FAE}"/>
               </a:ext>
             </a:extLst>
           </p:cNvPr>
@@ -4238,7 +4483,7 @@
           <p:nvPr/>
         </p:nvPicPr>
         <p:blipFill>
-          <a:blip r:embed="rId2">
+          <a:blip r:embed="rId3">
             <a:extLst>
               <a:ext uri="{28A0092B-C50C-407E-A947-70E740481C1C}">
                 <a14:useLocalDpi xmlns:a14="http://schemas.microsoft.com/office/drawing/2010/main" val="0"/>
@@ -4251,8 +4496,113 @@
         </p:blipFill>
         <p:spPr>
           <a:xfrm>
-            <a:off x="6587545" y="2384668"/>
-            <a:ext cx="2282163" cy="2088664"/>
+            <a:off x="890679" y="2009857"/>
+            <a:ext cx="2176836" cy="1933154"/>
+          </a:xfrm>
+          <a:prstGeom prst="ellipse">
+            <a:avLst/>
+          </a:prstGeom>
+          <a:ln w="63500" cap="rnd">
+            <a:solidFill>
+              <a:srgbClr val="333333"/>
+            </a:solidFill>
+          </a:ln>
+          <a:effectLst>
+            <a:outerShdw blurRad="381000" dist="292100" dir="5400000" sx="-80000" sy="-18000" rotWithShape="0">
+              <a:srgbClr val="000000">
+                <a:alpha val="22000"/>
+              </a:srgbClr>
+            </a:outerShdw>
+          </a:effectLst>
+          <a:scene3d>
+            <a:camera prst="orthographicFront"/>
+            <a:lightRig rig="contrasting" dir="t">
+              <a:rot lat="0" lon="0" rev="3000000"/>
+            </a:lightRig>
+          </a:scene3d>
+          <a:sp3d contourW="7620">
+            <a:bevelT w="95250" h="31750"/>
+            <a:contourClr>
+              <a:srgbClr val="333333"/>
+            </a:contourClr>
+          </a:sp3d>
+        </p:spPr>
+      </p:pic>
+      <p:sp>
+        <p:nvSpPr>
+          <p:cNvPr id="26" name="AutoShape 2">
+            <a:extLst>
+              <a:ext uri="{FF2B5EF4-FFF2-40B4-BE49-F238E27FC236}">
+                <a16:creationId xmlns:a16="http://schemas.microsoft.com/office/drawing/2014/main" id="{911C561C-906C-9554-E252-51785976C1C2}"/>
+              </a:ext>
+            </a:extLst>
+          </p:cNvPr>
+          <p:cNvSpPr>
+            <a:spLocks noChangeAspect="1" noChangeArrowheads="1"/>
+          </p:cNvSpPr>
+          <p:nvPr/>
+        </p:nvSpPr>
+        <p:spPr bwMode="auto">
+          <a:xfrm>
+            <a:off x="4200525" y="4704780"/>
+            <a:ext cx="1178299" cy="2096070"/>
+          </a:xfrm>
+          <a:prstGeom prst="rect">
+            <a:avLst/>
+          </a:prstGeom>
+          <a:noFill/>
+          <a:extLst>
+            <a:ext uri="{909E8E84-426E-40DD-AFC4-6F175D3DCCD1}">
+              <a14:hiddenFill xmlns:a14="http://schemas.microsoft.com/office/drawing/2010/main">
+                <a:solidFill>
+                  <a:srgbClr val="FFFFFF"/>
+                </a:solidFill>
+              </a14:hiddenFill>
+            </a:ext>
+          </a:extLst>
+        </p:spPr>
+        <p:txBody>
+          <a:bodyPr vert="horz" wrap="square" lIns="91440" tIns="45720" rIns="91440" bIns="45720" numCol="1" anchor="t" anchorCtr="0" compatLnSpc="1">
+            <a:prstTxWarp prst="textNoShape">
+              <a:avLst/>
+            </a:prstTxWarp>
+          </a:bodyPr>
+          <a:lstStyle/>
+          <a:p>
+            <a:endParaRPr lang="en-US"/>
+          </a:p>
+        </p:txBody>
+      </p:sp>
+      <p:pic>
+        <p:nvPicPr>
+          <p:cNvPr id="32" name="Picture 31">
+            <a:extLst>
+              <a:ext uri="{FF2B5EF4-FFF2-40B4-BE49-F238E27FC236}">
+                <a16:creationId xmlns:a16="http://schemas.microsoft.com/office/drawing/2014/main" id="{B52C41F4-A01B-5432-7201-3884A98E2132}"/>
+              </a:ext>
+            </a:extLst>
+          </p:cNvPr>
+          <p:cNvPicPr>
+            <a:picLocks noChangeAspect="1"/>
+          </p:cNvPicPr>
+          <p:nvPr/>
+        </p:nvPicPr>
+        <p:blipFill>
+          <a:blip r:embed="rId4">
+            <a:extLst>
+              <a:ext uri="{28A0092B-C50C-407E-A947-70E740481C1C}">
+                <a14:useLocalDpi xmlns:a14="http://schemas.microsoft.com/office/drawing/2010/main" val="0"/>
+              </a:ext>
+            </a:extLst>
+          </a:blip>
+          <a:stretch>
+            <a:fillRect/>
+          </a:stretch>
+        </p:blipFill>
+        <p:spPr>
+          <a:xfrm>
+            <a:off x="3791977" y="1950350"/>
+            <a:ext cx="2258551" cy="2016393"/>
           </a:xfrm>
           <a:prstGeom prst="ellipse">
             <a:avLst/>
@@ -4285,10 +4635,10 @@
       </p:pic>
       <p:pic>
         <p:nvPicPr>
-          <p:cNvPr id="15" name="Picture 14">
-            <a:extLst>
-              <a:ext uri="{FF2B5EF4-FFF2-40B4-BE49-F238E27FC236}">
-                <a16:creationId xmlns:a16="http://schemas.microsoft.com/office/drawing/2014/main" id="{AC3A2101-63DE-8E70-54C7-69A0DD88DB22}"/>
+          <p:cNvPr id="8" name="Picture 7">
+            <a:extLst>
+              <a:ext uri="{FF2B5EF4-FFF2-40B4-BE49-F238E27FC236}">
+                <a16:creationId xmlns:a16="http://schemas.microsoft.com/office/drawing/2014/main" id="{4160914F-C04A-90DF-D6B7-E67C02E1EBD1}"/>
               </a:ext>
             </a:extLst>
           </p:cNvPr>
@@ -4298,7 +4648,7 @@
           <p:nvPr/>
         </p:nvPicPr>
         <p:blipFill>
-          <a:blip r:embed="rId2">
+          <a:blip r:embed="rId5">
             <a:extLst>
               <a:ext uri="{28A0092B-C50C-407E-A947-70E740481C1C}">
                 <a14:useLocalDpi xmlns:a14="http://schemas.microsoft.com/office/drawing/2010/main" val="0"/>
@@ -4310,9 +4660,9 @@
           </a:stretch>
         </p:blipFill>
         <p:spPr>
-          <a:xfrm>
-            <a:off x="9456676" y="2432867"/>
-            <a:ext cx="2176835" cy="1992266"/>
+          <a:xfrm rot="5400000">
+            <a:off x="9549668" y="1756711"/>
+            <a:ext cx="1933153" cy="2309212"/>
           </a:xfrm>
           <a:prstGeom prst="ellipse">
             <a:avLst/>
@@ -4343,311 +4693,6 @@
           </a:sp3d>
         </p:spPr>
       </p:pic>
-      <p:pic>
-        <p:nvPicPr>
-          <p:cNvPr id="17" name="Picture 16">
-            <a:extLst>
-              <a:ext uri="{FF2B5EF4-FFF2-40B4-BE49-F238E27FC236}">
-                <a16:creationId xmlns:a16="http://schemas.microsoft.com/office/drawing/2014/main" id="{593B177D-13A5-6D59-398E-D57D220600FC}"/>
-              </a:ext>
-            </a:extLst>
-          </p:cNvPr>
-          <p:cNvPicPr>
-            <a:picLocks noChangeAspect="1"/>
-          </p:cNvPicPr>
-          <p:nvPr/>
-        </p:nvPicPr>
-        <p:blipFill>
-          <a:blip r:embed="rId2">
-            <a:extLst>
-              <a:ext uri="{28A0092B-C50C-407E-A947-70E740481C1C}">
-                <a14:useLocalDpi xmlns:a14="http://schemas.microsoft.com/office/drawing/2010/main" val="0"/>
-              </a:ext>
-            </a:extLst>
-          </a:blip>
-          <a:stretch>
-            <a:fillRect/>
-          </a:stretch>
-        </p:blipFill>
-        <p:spPr>
-          <a:xfrm>
-            <a:off x="909760" y="2432867"/>
-            <a:ext cx="2176836" cy="1992266"/>
-          </a:xfrm>
-          <a:prstGeom prst="ellipse">
-            <a:avLst/>
-          </a:prstGeom>
-          <a:ln w="63500" cap="rnd">
-            <a:solidFill>
-              <a:srgbClr val="333333"/>
-            </a:solidFill>
-          </a:ln>
-          <a:effectLst>
-            <a:outerShdw blurRad="381000" dist="292100" dir="5400000" sx="-80000" sy="-18000" rotWithShape="0">
-              <a:srgbClr val="000000">
-                <a:alpha val="22000"/>
-              </a:srgbClr>
-            </a:outerShdw>
-          </a:effectLst>
-          <a:scene3d>
-            <a:camera prst="orthographicFront"/>
-            <a:lightRig rig="contrasting" dir="t">
-              <a:rot lat="0" lon="0" rev="3000000"/>
-            </a:lightRig>
-          </a:scene3d>
-          <a:sp3d contourW="7620">
-            <a:bevelT w="95250" h="31750"/>
-            <a:contourClr>
-              <a:srgbClr val="333333"/>
-            </a:contourClr>
-          </a:sp3d>
-        </p:spPr>
-      </p:pic>
-      <p:sp>
-        <p:nvSpPr>
-          <p:cNvPr id="18" name="TextBox 17">
-            <a:extLst>
-              <a:ext uri="{FF2B5EF4-FFF2-40B4-BE49-F238E27FC236}">
-                <a16:creationId xmlns:a16="http://schemas.microsoft.com/office/drawing/2014/main" id="{F25168D8-5F3D-4F71-0CD3-023E14FA08EE}"/>
-              </a:ext>
-            </a:extLst>
-          </p:cNvPr>
-          <p:cNvSpPr txBox="1"/>
-          <p:nvPr/>
-        </p:nvSpPr>
-        <p:spPr>
-          <a:xfrm>
-            <a:off x="877156" y="4529638"/>
-            <a:ext cx="2176836" cy="954107"/>
-          </a:xfrm>
-          <a:prstGeom prst="rect">
-            <a:avLst/>
-          </a:prstGeom>
-          <a:noFill/>
-        </p:spPr>
-        <p:txBody>
-          <a:bodyPr wrap="square" rtlCol="0">
-            <a:spAutoFit/>
-          </a:bodyPr>
-          <a:lstStyle/>
-          <a:p>
-            <a:pPr algn="ctr"/>
-            <a:r>
-              <a:rPr lang="en-GB" sz="2800" dirty="0" err="1">
-                <a:latin typeface="Bahnschrift SemiLight Condensed" panose="020B0502040204020203" pitchFamily="34" charset="0"/>
-              </a:rPr>
-              <a:t>Yordan</a:t>
-            </a:r>
-            <a:r>
-              <a:rPr lang="en-GB" sz="2800" dirty="0">
-                <a:latin typeface="Bahnschrift SemiLight Condensed" panose="020B0502040204020203" pitchFamily="34" charset="0"/>
-              </a:rPr>
-              <a:t> </a:t>
-            </a:r>
-            <a:r>
-              <a:rPr lang="en-GB" sz="2800" dirty="0" err="1">
-                <a:latin typeface="Bahnschrift SemiLight Condensed" panose="020B0502040204020203" pitchFamily="34" charset="0"/>
-              </a:rPr>
-              <a:t>Stoyanov</a:t>
-            </a:r>
-            <a:br>
-              <a:rPr lang="en-GB" sz="2800" dirty="0">
-                <a:latin typeface="Bahnschrift SemiLight Condensed" panose="020B0502040204020203" pitchFamily="34" charset="0"/>
-              </a:rPr>
-            </a:br>
-            <a:r>
-              <a:rPr lang="en-GB" sz="2800" dirty="0">
-                <a:latin typeface="Bahnschrift SemiLight Condensed" panose="020B0502040204020203" pitchFamily="34" charset="0"/>
-              </a:rPr>
-              <a:t>Scrum Trainer</a:t>
-            </a:r>
-            <a:endParaRPr lang="en-US" sz="2800" dirty="0">
-              <a:latin typeface="Bahnschrift SemiLight Condensed" panose="020B0502040204020203" pitchFamily="34" charset="0"/>
-            </a:endParaRPr>
-          </a:p>
-        </p:txBody>
-      </p:sp>
-      <p:sp>
-        <p:nvSpPr>
-          <p:cNvPr id="19" name="TextBox 18">
-            <a:extLst>
-              <a:ext uri="{FF2B5EF4-FFF2-40B4-BE49-F238E27FC236}">
-                <a16:creationId xmlns:a16="http://schemas.microsoft.com/office/drawing/2014/main" id="{6169A772-66D7-D0DA-7EF1-F7F5A112C308}"/>
-              </a:ext>
-            </a:extLst>
-          </p:cNvPr>
-          <p:cNvSpPr txBox="1"/>
-          <p:nvPr/>
-        </p:nvSpPr>
-        <p:spPr>
-          <a:xfrm>
-            <a:off x="3591009" y="4478865"/>
-            <a:ext cx="2459519" cy="954107"/>
-          </a:xfrm>
-          <a:prstGeom prst="rect">
-            <a:avLst/>
-          </a:prstGeom>
-          <a:noFill/>
-        </p:spPr>
-        <p:txBody>
-          <a:bodyPr wrap="square" rtlCol="0">
-            <a:spAutoFit/>
-          </a:bodyPr>
-          <a:lstStyle>
-            <a:defPPr>
-              <a:defRPr lang="en-US"/>
-            </a:defPPr>
-            <a:lvl1pPr>
-              <a:defRPr sz="2800">
-                <a:latin typeface="Bahnschrift SemiLight Condensed" panose="020B0502040204020203" pitchFamily="34" charset="0"/>
-              </a:defRPr>
-            </a:lvl1pPr>
-          </a:lstStyle>
-          <a:p>
-            <a:pPr algn="ctr"/>
-            <a:r>
-              <a:rPr lang="en-GB" dirty="0" err="1"/>
-              <a:t>Petar</a:t>
-            </a:r>
-            <a:r>
-              <a:rPr lang="en-GB" dirty="0"/>
-              <a:t> </a:t>
-            </a:r>
-            <a:r>
-              <a:rPr lang="en-GB" dirty="0" err="1"/>
-              <a:t>Matsaliev</a:t>
-            </a:r>
-            <a:br>
-              <a:rPr lang="en-GB" dirty="0"/>
-            </a:br>
-            <a:r>
-              <a:rPr lang="en-GB" dirty="0"/>
-              <a:t>Backend Developer</a:t>
-            </a:r>
-            <a:endParaRPr lang="en-US" dirty="0"/>
-          </a:p>
-        </p:txBody>
-      </p:sp>
-      <p:sp>
-        <p:nvSpPr>
-          <p:cNvPr id="20" name="TextBox 19">
-            <a:extLst>
-              <a:ext uri="{FF2B5EF4-FFF2-40B4-BE49-F238E27FC236}">
-                <a16:creationId xmlns:a16="http://schemas.microsoft.com/office/drawing/2014/main" id="{60B65C46-338B-8BF3-220B-A62B63FE1E0D}"/>
-              </a:ext>
-            </a:extLst>
-          </p:cNvPr>
-          <p:cNvSpPr txBox="1"/>
-          <p:nvPr/>
-        </p:nvSpPr>
-        <p:spPr>
-          <a:xfrm>
-            <a:off x="6342172" y="4445524"/>
-            <a:ext cx="2772907" cy="954107"/>
-          </a:xfrm>
-          <a:prstGeom prst="rect">
-            <a:avLst/>
-          </a:prstGeom>
-          <a:noFill/>
-        </p:spPr>
-        <p:txBody>
-          <a:bodyPr wrap="square" rtlCol="0">
-            <a:spAutoFit/>
-          </a:bodyPr>
-          <a:lstStyle/>
-          <a:p>
-            <a:pPr algn="ctr"/>
-            <a:r>
-              <a:rPr lang="en-GB" sz="2800" dirty="0">
-                <a:latin typeface="Bahnschrift SemiLight Condensed" panose="020B0502040204020203" pitchFamily="34" charset="0"/>
-              </a:rPr>
-              <a:t>Stefan</a:t>
-            </a:r>
-            <a:r>
-              <a:rPr lang="en-GB" sz="2800" dirty="0"/>
-              <a:t> </a:t>
-            </a:r>
-            <a:r>
-              <a:rPr lang="en-GB" sz="2800" dirty="0">
-                <a:latin typeface="Bahnschrift SemiLight Condensed" panose="020B0502040204020203" pitchFamily="34" charset="0"/>
-              </a:rPr>
-              <a:t>Hristov</a:t>
-            </a:r>
-            <a:br>
-              <a:rPr lang="en-GB" sz="2800" dirty="0">
-                <a:latin typeface="Bahnschrift SemiLight Condensed" panose="020B0502040204020203" pitchFamily="34" charset="0"/>
-              </a:rPr>
-            </a:br>
-            <a:r>
-              <a:rPr lang="en-GB" sz="2800" dirty="0">
-                <a:latin typeface="Bahnschrift SemiLight Condensed" panose="020B0502040204020203" pitchFamily="34" charset="0"/>
-              </a:rPr>
-              <a:t>Backend Developer</a:t>
-            </a:r>
-            <a:endParaRPr lang="en-US" sz="2800" dirty="0">
-              <a:latin typeface="Bahnschrift SemiLight Condensed" panose="020B0502040204020203" pitchFamily="34" charset="0"/>
-            </a:endParaRPr>
-          </a:p>
-        </p:txBody>
-      </p:sp>
-      <p:sp>
-        <p:nvSpPr>
-          <p:cNvPr id="21" name="TextBox 20">
-            <a:extLst>
-              <a:ext uri="{FF2B5EF4-FFF2-40B4-BE49-F238E27FC236}">
-                <a16:creationId xmlns:a16="http://schemas.microsoft.com/office/drawing/2014/main" id="{B3439593-E0EE-1A89-2A14-1B6EE9E01350}"/>
-              </a:ext>
-            </a:extLst>
-          </p:cNvPr>
-          <p:cNvSpPr txBox="1"/>
-          <p:nvPr/>
-        </p:nvSpPr>
-        <p:spPr>
-          <a:xfrm>
-            <a:off x="9361639" y="4562174"/>
-            <a:ext cx="2366907" cy="954107"/>
-          </a:xfrm>
-          <a:prstGeom prst="rect">
-            <a:avLst/>
-          </a:prstGeom>
-          <a:noFill/>
-        </p:spPr>
-        <p:txBody>
-          <a:bodyPr wrap="square" rtlCol="0">
-            <a:spAutoFit/>
-          </a:bodyPr>
-          <a:lstStyle/>
-          <a:p>
-            <a:pPr algn="ctr"/>
-            <a:r>
-              <a:rPr lang="en-GB" sz="2800" dirty="0">
-                <a:latin typeface="Bahnschrift SemiLight Condensed" panose="020B0502040204020203" pitchFamily="34" charset="0"/>
-              </a:rPr>
-              <a:t>Daniil </a:t>
-            </a:r>
-            <a:r>
-              <a:rPr lang="en-GB" sz="2800" dirty="0" err="1">
-                <a:latin typeface="Bahnschrift SemiLight Condensed" panose="020B0502040204020203" pitchFamily="34" charset="0"/>
-              </a:rPr>
-              <a:t>Furnika</a:t>
-            </a:r>
-            <a:br>
-              <a:rPr lang="en-GB" sz="2800" dirty="0">
-                <a:latin typeface="Bahnschrift SemiLight Condensed" panose="020B0502040204020203" pitchFamily="34" charset="0"/>
-              </a:rPr>
-            </a:br>
-            <a:r>
-              <a:rPr lang="en-GB" sz="2800" dirty="0">
-                <a:latin typeface="Bahnschrift SemiLight Condensed" panose="020B0502040204020203" pitchFamily="34" charset="0"/>
-              </a:rPr>
-              <a:t>Quality Assurance</a:t>
-            </a:r>
-            <a:endParaRPr lang="en-US" sz="2800" dirty="0">
-              <a:latin typeface="Bahnschrift SemiLight Condensed" panose="020B0502040204020203" pitchFamily="34" charset="0"/>
-            </a:endParaRPr>
-          </a:p>
-        </p:txBody>
-      </p:sp>
     </p:spTree>
     <p:extLst>
       <p:ext uri="{BB962C8B-B14F-4D97-AF65-F5344CB8AC3E}">
@@ -4658,13 +4703,13 @@
   <p:clrMapOvr>
     <a:masterClrMapping/>
   </p:clrMapOvr>
-  <mc:AlternateContent xmlns:mc="http://schemas.openxmlformats.org/markup-compatibility/2006">
-    <mc:Choice xmlns:p15="http://schemas.microsoft.com/office/powerpoint/2012/main" Requires="p15">
+  <mc:AlternateContent xmlns:mc="http://schemas.openxmlformats.org/markup-compatibility/2006" xmlns:p15="http://schemas.microsoft.com/office/powerpoint/2012/main">
+    <mc:Choice Requires="p15">
       <p:transition xmlns:p14="http://schemas.microsoft.com/office/powerpoint/2010/main" spd="slow" p14:dur="4000">
         <p15:prstTrans prst="curtains"/>
       </p:transition>
     </mc:Choice>
-    <mc:Fallback>
+    <mc:Fallback xmlns="">
       <p:transition spd="slow">
         <p:fade/>
       </p:transition>
@@ -4682,6 +4727,9 @@
                     <p:cTn id="3" fill="hold">
                       <p:stCondLst>
                         <p:cond delay="indefinite"/>
+                        <p:cond evt="onBegin" delay="0">
+                          <p:tn val="2"/>
+                        </p:cond>
                       </p:stCondLst>
                       <p:childTnLst>
                         <p:par>
@@ -4691,7 +4739,7 @@
                             </p:stCondLst>
                             <p:childTnLst>
                               <p:par>
-                                <p:cTn id="5" presetID="2" presetClass="entr" presetSubtype="4" fill="hold" nodeType="clickEffect">
+                                <p:cTn id="5" presetID="2" presetClass="entr" presetSubtype="4" fill="hold" grpId="0" nodeType="withEffect">
                                   <p:stCondLst>
                                     <p:cond delay="0"/>
                                   </p:stCondLst>
@@ -4704,7 +4752,7 @@
                                           </p:stCondLst>
                                         </p:cTn>
                                         <p:tgtEl>
-                                          <p:spTgt spid="17"/>
+                                          <p:spTgt spid="18"/>
                                         </p:tgtEl>
                                         <p:attrNameLst>
                                           <p:attrName>style.visibility</p:attrName>
@@ -4718,7 +4766,7 @@
                                       <p:cBhvr additive="base">
                                         <p:cTn id="7" dur="500" fill="hold"/>
                                         <p:tgtEl>
-                                          <p:spTgt spid="17"/>
+                                          <p:spTgt spid="18"/>
                                         </p:tgtEl>
                                         <p:attrNameLst>
                                           <p:attrName>ppt_x</p:attrName>
@@ -4741,7 +4789,7 @@
                                       <p:cBhvr additive="base">
                                         <p:cTn id="8" dur="500" fill="hold"/>
                                         <p:tgtEl>
-                                          <p:spTgt spid="17"/>
+                                          <p:spTgt spid="18"/>
                                         </p:tgtEl>
                                         <p:attrNameLst>
                                           <p:attrName>ppt_y</p:attrName>
@@ -4777,7 +4825,7 @@
                                           </p:stCondLst>
                                         </p:cTn>
                                         <p:tgtEl>
-                                          <p:spTgt spid="18"/>
+                                          <p:spTgt spid="19"/>
                                         </p:tgtEl>
                                         <p:attrNameLst>
                                           <p:attrName>style.visibility</p:attrName>
@@ -4790,170 +4838,6 @@
                                     <p:anim calcmode="lin" valueType="num">
                                       <p:cBhvr additive="base">
                                         <p:cTn id="11" dur="500" fill="hold"/>
-                                        <p:tgtEl>
-                                          <p:spTgt spid="18"/>
-                                        </p:tgtEl>
-                                        <p:attrNameLst>
-                                          <p:attrName>ppt_x</p:attrName>
-                                        </p:attrNameLst>
-                                      </p:cBhvr>
-                                      <p:tavLst>
-                                        <p:tav tm="0">
-                                          <p:val>
-                                            <p:strVal val="#ppt_x"/>
-                                          </p:val>
-                                        </p:tav>
-                                        <p:tav tm="100000">
-                                          <p:val>
-                                            <p:strVal val="#ppt_x"/>
-                                          </p:val>
-                                        </p:tav>
-                                      </p:tavLst>
-                                    </p:anim>
-                                    <p:anim calcmode="lin" valueType="num">
-                                      <p:cBhvr additive="base">
-                                        <p:cTn id="12" dur="500" fill="hold"/>
-                                        <p:tgtEl>
-                                          <p:spTgt spid="18"/>
-                                        </p:tgtEl>
-                                        <p:attrNameLst>
-                                          <p:attrName>ppt_y</p:attrName>
-                                        </p:attrNameLst>
-                                      </p:cBhvr>
-                                      <p:tavLst>
-                                        <p:tav tm="0">
-                                          <p:val>
-                                            <p:strVal val="1+#ppt_h/2"/>
-                                          </p:val>
-                                        </p:tav>
-                                        <p:tav tm="100000">
-                                          <p:val>
-                                            <p:strVal val="#ppt_y"/>
-                                          </p:val>
-                                        </p:tav>
-                                      </p:tavLst>
-                                    </p:anim>
-                                  </p:childTnLst>
-                                </p:cTn>
-                              </p:par>
-                            </p:childTnLst>
-                          </p:cTn>
-                        </p:par>
-                      </p:childTnLst>
-                    </p:cTn>
-                  </p:par>
-                  <p:par>
-                    <p:cTn id="13" fill="hold">
-                      <p:stCondLst>
-                        <p:cond delay="indefinite"/>
-                      </p:stCondLst>
-                      <p:childTnLst>
-                        <p:par>
-                          <p:cTn id="14" fill="hold">
-                            <p:stCondLst>
-                              <p:cond delay="0"/>
-                            </p:stCondLst>
-                            <p:childTnLst>
-                              <p:par>
-                                <p:cTn id="15" presetID="2" presetClass="entr" presetSubtype="4" fill="hold" nodeType="clickEffect">
-                                  <p:stCondLst>
-                                    <p:cond delay="0"/>
-                                  </p:stCondLst>
-                                  <p:childTnLst>
-                                    <p:set>
-                                      <p:cBhvr>
-                                        <p:cTn id="16" dur="1" fill="hold">
-                                          <p:stCondLst>
-                                            <p:cond delay="0"/>
-                                          </p:stCondLst>
-                                        </p:cTn>
-                                        <p:tgtEl>
-                                          <p:spTgt spid="4"/>
-                                        </p:tgtEl>
-                                        <p:attrNameLst>
-                                          <p:attrName>style.visibility</p:attrName>
-                                        </p:attrNameLst>
-                                      </p:cBhvr>
-                                      <p:to>
-                                        <p:strVal val="visible"/>
-                                      </p:to>
-                                    </p:set>
-                                    <p:anim calcmode="lin" valueType="num">
-                                      <p:cBhvr additive="base">
-                                        <p:cTn id="17" dur="500" fill="hold"/>
-                                        <p:tgtEl>
-                                          <p:spTgt spid="4"/>
-                                        </p:tgtEl>
-                                        <p:attrNameLst>
-                                          <p:attrName>ppt_x</p:attrName>
-                                        </p:attrNameLst>
-                                      </p:cBhvr>
-                                      <p:tavLst>
-                                        <p:tav tm="0">
-                                          <p:val>
-                                            <p:strVal val="#ppt_x"/>
-                                          </p:val>
-                                        </p:tav>
-                                        <p:tav tm="100000">
-                                          <p:val>
-                                            <p:strVal val="#ppt_x"/>
-                                          </p:val>
-                                        </p:tav>
-                                      </p:tavLst>
-                                    </p:anim>
-                                    <p:anim calcmode="lin" valueType="num">
-                                      <p:cBhvr additive="base">
-                                        <p:cTn id="18" dur="500" fill="hold"/>
-                                        <p:tgtEl>
-                                          <p:spTgt spid="4"/>
-                                        </p:tgtEl>
-                                        <p:attrNameLst>
-                                          <p:attrName>ppt_y</p:attrName>
-                                        </p:attrNameLst>
-                                      </p:cBhvr>
-                                      <p:tavLst>
-                                        <p:tav tm="0">
-                                          <p:val>
-                                            <p:strVal val="1+#ppt_h/2"/>
-                                          </p:val>
-                                        </p:tav>
-                                        <p:tav tm="100000">
-                                          <p:val>
-                                            <p:strVal val="#ppt_y"/>
-                                          </p:val>
-                                        </p:tav>
-                                      </p:tavLst>
-                                    </p:anim>
-                                  </p:childTnLst>
-                                </p:cTn>
-                              </p:par>
-                              <p:par>
-                                <p:cTn id="19" presetID="2" presetClass="entr" presetSubtype="4" fill="hold" grpId="0" nodeType="withEffect">
-                                  <p:stCondLst>
-                                    <p:cond delay="0"/>
-                                  </p:stCondLst>
-                                  <p:childTnLst>
-                                    <p:set>
-                                      <p:cBhvr>
-                                        <p:cTn id="20" dur="1" fill="hold">
-                                          <p:stCondLst>
-                                            <p:cond delay="0"/>
-                                          </p:stCondLst>
-                                        </p:cTn>
-                                        <p:tgtEl>
-                                          <p:spTgt spid="19"/>
-                                        </p:tgtEl>
-                                        <p:attrNameLst>
-                                          <p:attrName>style.visibility</p:attrName>
-                                        </p:attrNameLst>
-                                      </p:cBhvr>
-                                      <p:to>
-                                        <p:strVal val="visible"/>
-                                      </p:to>
-                                    </p:set>
-                                    <p:anim calcmode="lin" valueType="num">
-                                      <p:cBhvr additive="base">
-                                        <p:cTn id="21" dur="500" fill="hold"/>
                                         <p:tgtEl>
                                           <p:spTgt spid="19"/>
                                         </p:tgtEl>
@@ -4976,7 +4860,7 @@
                                     </p:anim>
                                     <p:anim calcmode="lin" valueType="num">
                                       <p:cBhvr additive="base">
-                                        <p:cTn id="22" dur="500" fill="hold"/>
+                                        <p:cTn id="12" dur="500" fill="hold"/>
                                         <p:tgtEl>
                                           <p:spTgt spid="19"/>
                                         </p:tgtEl>
@@ -5000,106 +4884,15 @@
                                   </p:childTnLst>
                                 </p:cTn>
                               </p:par>
-                            </p:childTnLst>
-                          </p:cTn>
-                        </p:par>
-                      </p:childTnLst>
-                    </p:cTn>
-                  </p:par>
-                  <p:par>
-                    <p:cTn id="23" fill="hold">
-                      <p:stCondLst>
-                        <p:cond delay="indefinite"/>
-                      </p:stCondLst>
-                      <p:childTnLst>
-                        <p:par>
-                          <p:cTn id="24" fill="hold">
-                            <p:stCondLst>
-                              <p:cond delay="0"/>
-                            </p:stCondLst>
-                            <p:childTnLst>
                               <p:par>
-                                <p:cTn id="25" presetID="2" presetClass="entr" presetSubtype="4" fill="hold" nodeType="clickEffect">
+                                <p:cTn id="13" presetID="2" presetClass="entr" presetSubtype="4" fill="hold" grpId="0" nodeType="withEffect">
                                   <p:stCondLst>
                                     <p:cond delay="0"/>
                                   </p:stCondLst>
                                   <p:childTnLst>
                                     <p:set>
                                       <p:cBhvr>
-                                        <p:cTn id="26" dur="1" fill="hold">
-                                          <p:stCondLst>
-                                            <p:cond delay="0"/>
-                                          </p:stCondLst>
-                                        </p:cTn>
-                                        <p:tgtEl>
-                                          <p:spTgt spid="13"/>
-                                        </p:tgtEl>
-                                        <p:attrNameLst>
-                                          <p:attrName>style.visibility</p:attrName>
-                                        </p:attrNameLst>
-                                      </p:cBhvr>
-                                      <p:to>
-                                        <p:strVal val="visible"/>
-                                      </p:to>
-                                    </p:set>
-                                    <p:anim calcmode="lin" valueType="num">
-                                      <p:cBhvr additive="base">
-                                        <p:cTn id="27" dur="500" fill="hold"/>
-                                        <p:tgtEl>
-                                          <p:spTgt spid="13"/>
-                                        </p:tgtEl>
-                                        <p:attrNameLst>
-                                          <p:attrName>ppt_x</p:attrName>
-                                        </p:attrNameLst>
-                                      </p:cBhvr>
-                                      <p:tavLst>
-                                        <p:tav tm="0">
-                                          <p:val>
-                                            <p:strVal val="#ppt_x"/>
-                                          </p:val>
-                                        </p:tav>
-                                        <p:tav tm="100000">
-                                          <p:val>
-                                            <p:strVal val="#ppt_x"/>
-                                          </p:val>
-                                        </p:tav>
-                                      </p:tavLst>
-                                    </p:anim>
-                                    <p:anim calcmode="lin" valueType="num">
-                                      <p:cBhvr additive="base">
-                                        <p:cTn id="28" dur="500" fill="hold"/>
-                                        <p:tgtEl>
-                                          <p:spTgt spid="13"/>
-                                        </p:tgtEl>
-                                        <p:attrNameLst>
-                                          <p:attrName>ppt_y</p:attrName>
-                                        </p:attrNameLst>
-                                      </p:cBhvr>
-                                      <p:tavLst>
-                                        <p:tav tm="0">
-                                          <p:val>
-                                            <p:strVal val="1+#ppt_h/2"/>
-                                          </p:val>
-                                        </p:tav>
-                                        <p:tav tm="100000">
-                                          <p:val>
-                                            <p:strVal val="#ppt_y"/>
-                                          </p:val>
-                                        </p:tav>
-                                      </p:tavLst>
-                                    </p:anim>
-                                  </p:childTnLst>
-                                </p:cTn>
-                              </p:par>
-                              <p:par>
-                                <p:cTn id="29" presetID="2" presetClass="entr" presetSubtype="4" fill="hold" grpId="0" nodeType="withEffect">
-                                  <p:stCondLst>
-                                    <p:cond delay="0"/>
-                                  </p:stCondLst>
-                                  <p:childTnLst>
-                                    <p:set>
-                                      <p:cBhvr>
-                                        <p:cTn id="30" dur="1" fill="hold">
+                                        <p:cTn id="14" dur="1" fill="hold">
                                           <p:stCondLst>
                                             <p:cond delay="0"/>
                                           </p:stCondLst>
@@ -5117,7 +4910,7 @@
                                     </p:set>
                                     <p:anim calcmode="lin" valueType="num">
                                       <p:cBhvr additive="base">
-                                        <p:cTn id="31" dur="500" fill="hold"/>
+                                        <p:cTn id="15" dur="500" fill="hold"/>
                                         <p:tgtEl>
                                           <p:spTgt spid="20"/>
                                         </p:tgtEl>
@@ -5140,7 +4933,7 @@
                                     </p:anim>
                                     <p:anim calcmode="lin" valueType="num">
                                       <p:cBhvr additive="base">
-                                        <p:cTn id="32" dur="500" fill="hold"/>
+                                        <p:cTn id="16" dur="500" fill="hold"/>
                                         <p:tgtEl>
                                           <p:spTgt spid="20"/>
                                         </p:tgtEl>
@@ -5164,106 +4957,15 @@
                                   </p:childTnLst>
                                 </p:cTn>
                               </p:par>
-                            </p:childTnLst>
-                          </p:cTn>
-                        </p:par>
-                      </p:childTnLst>
-                    </p:cTn>
-                  </p:par>
-                  <p:par>
-                    <p:cTn id="33" fill="hold">
-                      <p:stCondLst>
-                        <p:cond delay="indefinite"/>
-                      </p:stCondLst>
-                      <p:childTnLst>
-                        <p:par>
-                          <p:cTn id="34" fill="hold">
-                            <p:stCondLst>
-                              <p:cond delay="0"/>
-                            </p:stCondLst>
-                            <p:childTnLst>
                               <p:par>
-                                <p:cTn id="35" presetID="2" presetClass="entr" presetSubtype="4" fill="hold" nodeType="clickEffect">
+                                <p:cTn id="17" presetID="2" presetClass="entr" presetSubtype="4" fill="hold" grpId="0" nodeType="withEffect">
                                   <p:stCondLst>
                                     <p:cond delay="0"/>
                                   </p:stCondLst>
                                   <p:childTnLst>
                                     <p:set>
                                       <p:cBhvr>
-                                        <p:cTn id="36" dur="1" fill="hold">
-                                          <p:stCondLst>
-                                            <p:cond delay="0"/>
-                                          </p:stCondLst>
-                                        </p:cTn>
-                                        <p:tgtEl>
-                                          <p:spTgt spid="15"/>
-                                        </p:tgtEl>
-                                        <p:attrNameLst>
-                                          <p:attrName>style.visibility</p:attrName>
-                                        </p:attrNameLst>
-                                      </p:cBhvr>
-                                      <p:to>
-                                        <p:strVal val="visible"/>
-                                      </p:to>
-                                    </p:set>
-                                    <p:anim calcmode="lin" valueType="num">
-                                      <p:cBhvr additive="base">
-                                        <p:cTn id="37" dur="500" fill="hold"/>
-                                        <p:tgtEl>
-                                          <p:spTgt spid="15"/>
-                                        </p:tgtEl>
-                                        <p:attrNameLst>
-                                          <p:attrName>ppt_x</p:attrName>
-                                        </p:attrNameLst>
-                                      </p:cBhvr>
-                                      <p:tavLst>
-                                        <p:tav tm="0">
-                                          <p:val>
-                                            <p:strVal val="#ppt_x"/>
-                                          </p:val>
-                                        </p:tav>
-                                        <p:tav tm="100000">
-                                          <p:val>
-                                            <p:strVal val="#ppt_x"/>
-                                          </p:val>
-                                        </p:tav>
-                                      </p:tavLst>
-                                    </p:anim>
-                                    <p:anim calcmode="lin" valueType="num">
-                                      <p:cBhvr additive="base">
-                                        <p:cTn id="38" dur="500" fill="hold"/>
-                                        <p:tgtEl>
-                                          <p:spTgt spid="15"/>
-                                        </p:tgtEl>
-                                        <p:attrNameLst>
-                                          <p:attrName>ppt_y</p:attrName>
-                                        </p:attrNameLst>
-                                      </p:cBhvr>
-                                      <p:tavLst>
-                                        <p:tav tm="0">
-                                          <p:val>
-                                            <p:strVal val="1+#ppt_h/2"/>
-                                          </p:val>
-                                        </p:tav>
-                                        <p:tav tm="100000">
-                                          <p:val>
-                                            <p:strVal val="#ppt_y"/>
-                                          </p:val>
-                                        </p:tav>
-                                      </p:tavLst>
-                                    </p:anim>
-                                  </p:childTnLst>
-                                </p:cTn>
-                              </p:par>
-                              <p:par>
-                                <p:cTn id="39" presetID="2" presetClass="entr" presetSubtype="4" fill="hold" grpId="0" nodeType="withEffect">
-                                  <p:stCondLst>
-                                    <p:cond delay="0"/>
-                                  </p:stCondLst>
-                                  <p:childTnLst>
-                                    <p:set>
-                                      <p:cBhvr>
-                                        <p:cTn id="40" dur="1" fill="hold">
+                                        <p:cTn id="18" dur="1" fill="hold">
                                           <p:stCondLst>
                                             <p:cond delay="0"/>
                                           </p:stCondLst>
@@ -5281,7 +4983,7 @@
                                     </p:set>
                                     <p:anim calcmode="lin" valueType="num">
                                       <p:cBhvr additive="base">
-                                        <p:cTn id="41" dur="500" fill="hold"/>
+                                        <p:cTn id="19" dur="500" fill="hold"/>
                                         <p:tgtEl>
                                           <p:spTgt spid="21"/>
                                         </p:tgtEl>
@@ -5304,7 +5006,7 @@
                                     </p:anim>
                                     <p:anim calcmode="lin" valueType="num">
                                       <p:cBhvr additive="base">
-                                        <p:cTn id="42" dur="500" fill="hold"/>
+                                        <p:cTn id="20" dur="500" fill="hold"/>
                                         <p:tgtEl>
                                           <p:spTgt spid="21"/>
                                         </p:tgtEl>
@@ -7385,13 +7087,13 @@
   <p:clrMapOvr>
     <a:masterClrMapping/>
   </p:clrMapOvr>
-  <mc:AlternateContent xmlns:mc="http://schemas.openxmlformats.org/markup-compatibility/2006">
-    <mc:Choice xmlns:p15="http://schemas.microsoft.com/office/powerpoint/2012/main" Requires="p15">
+  <mc:AlternateContent xmlns:mc="http://schemas.openxmlformats.org/markup-compatibility/2006" xmlns:p15="http://schemas.microsoft.com/office/powerpoint/2012/main">
+    <mc:Choice Requires="p15">
       <p:transition xmlns:p14="http://schemas.microsoft.com/office/powerpoint/2010/main" spd="slow" p14:dur="4000">
         <p15:prstTrans prst="curtains"/>
       </p:transition>
     </mc:Choice>
-    <mc:Fallback>
+    <mc:Fallback xmlns="">
       <p:transition spd="slow">
         <p:fade/>
       </p:transition>
@@ -8360,13 +8062,13 @@
   <p:clrMapOvr>
     <a:masterClrMapping/>
   </p:clrMapOvr>
-  <mc:AlternateContent xmlns:mc="http://schemas.openxmlformats.org/markup-compatibility/2006">
-    <mc:Choice xmlns:p15="http://schemas.microsoft.com/office/powerpoint/2012/main" Requires="p15">
+  <mc:AlternateContent xmlns:mc="http://schemas.openxmlformats.org/markup-compatibility/2006" xmlns:p15="http://schemas.microsoft.com/office/powerpoint/2012/main">
+    <mc:Choice Requires="p15">
       <p:transition xmlns:p14="http://schemas.microsoft.com/office/powerpoint/2010/main" spd="slow" p14:dur="4000">
         <p15:prstTrans prst="curtains"/>
       </p:transition>
     </mc:Choice>
-    <mc:Fallback>
+    <mc:Fallback xmlns="">
       <p:transition spd="slow">
         <p:fade/>
       </p:transition>
@@ -8750,13 +8452,13 @@
   <p:clrMapOvr>
     <a:masterClrMapping/>
   </p:clrMapOvr>
-  <mc:AlternateContent xmlns:mc="http://schemas.openxmlformats.org/markup-compatibility/2006">
-    <mc:Choice xmlns:p15="http://schemas.microsoft.com/office/powerpoint/2012/main" Requires="p15">
+  <mc:AlternateContent xmlns:mc="http://schemas.openxmlformats.org/markup-compatibility/2006" xmlns:p15="http://schemas.microsoft.com/office/powerpoint/2012/main">
+    <mc:Choice Requires="p15">
       <p:transition xmlns:p14="http://schemas.microsoft.com/office/powerpoint/2010/main" spd="slow" p14:dur="4000">
         <p15:prstTrans prst="curtains"/>
       </p:transition>
     </mc:Choice>
-    <mc:Fallback>
+    <mc:Fallback xmlns="">
       <p:transition spd="slow">
         <p:fade/>
       </p:transition>
